--- a/course_builder.pptx
+++ b/course_builder.pptx
@@ -4478,7 +4478,7 @@
           <a:p>
             <a:fld id="{38A82C05-60B2-483E-8A85-7FFE6F4B2F7D}" type="datetimeFigureOut">
               <a:rPr lang="en-US" smtClean="0"/>
-              <a:t>11/4/2017</a:t>
+              <a:t>11/7/2017</a:t>
             </a:fld>
             <a:endParaRPr lang="en-US"/>
           </a:p>
@@ -4877,7 +4877,7 @@
           <a:p>
             <a:fld id="{66488140-7E06-46F5-A441-6E15F503D7C5}" type="datetimeFigureOut">
               <a:rPr lang="en-US" smtClean="0"/>
-              <a:t>11/4/2017</a:t>
+              <a:t>11/7/2017</a:t>
             </a:fld>
             <a:endParaRPr lang="en-US"/>
           </a:p>
@@ -5047,7 +5047,7 @@
           <a:p>
             <a:fld id="{66488140-7E06-46F5-A441-6E15F503D7C5}" type="datetimeFigureOut">
               <a:rPr lang="en-US" smtClean="0"/>
-              <a:t>11/4/2017</a:t>
+              <a:t>11/7/2017</a:t>
             </a:fld>
             <a:endParaRPr lang="en-US"/>
           </a:p>
@@ -5227,7 +5227,7 @@
           <a:p>
             <a:fld id="{66488140-7E06-46F5-A441-6E15F503D7C5}" type="datetimeFigureOut">
               <a:rPr lang="en-US" smtClean="0"/>
-              <a:t>11/4/2017</a:t>
+              <a:t>11/7/2017</a:t>
             </a:fld>
             <a:endParaRPr lang="en-US"/>
           </a:p>
@@ -5397,7 +5397,7 @@
           <a:p>
             <a:fld id="{66488140-7E06-46F5-A441-6E15F503D7C5}" type="datetimeFigureOut">
               <a:rPr lang="en-US" smtClean="0"/>
-              <a:t>11/4/2017</a:t>
+              <a:t>11/7/2017</a:t>
             </a:fld>
             <a:endParaRPr lang="en-US"/>
           </a:p>
@@ -5641,7 +5641,7 @@
           <a:p>
             <a:fld id="{66488140-7E06-46F5-A441-6E15F503D7C5}" type="datetimeFigureOut">
               <a:rPr lang="en-US" smtClean="0"/>
-              <a:t>11/4/2017</a:t>
+              <a:t>11/7/2017</a:t>
             </a:fld>
             <a:endParaRPr lang="en-US"/>
           </a:p>
@@ -5873,7 +5873,7 @@
           <a:p>
             <a:fld id="{66488140-7E06-46F5-A441-6E15F503D7C5}" type="datetimeFigureOut">
               <a:rPr lang="en-US" smtClean="0"/>
-              <a:t>11/4/2017</a:t>
+              <a:t>11/7/2017</a:t>
             </a:fld>
             <a:endParaRPr lang="en-US"/>
           </a:p>
@@ -6240,7 +6240,7 @@
           <a:p>
             <a:fld id="{66488140-7E06-46F5-A441-6E15F503D7C5}" type="datetimeFigureOut">
               <a:rPr lang="en-US" smtClean="0"/>
-              <a:t>11/4/2017</a:t>
+              <a:t>11/7/2017</a:t>
             </a:fld>
             <a:endParaRPr lang="en-US"/>
           </a:p>
@@ -6358,7 +6358,7 @@
           <a:p>
             <a:fld id="{66488140-7E06-46F5-A441-6E15F503D7C5}" type="datetimeFigureOut">
               <a:rPr lang="en-US" smtClean="0"/>
-              <a:t>11/4/2017</a:t>
+              <a:t>11/7/2017</a:t>
             </a:fld>
             <a:endParaRPr lang="en-US"/>
           </a:p>
@@ -6453,7 +6453,7 @@
           <a:p>
             <a:fld id="{66488140-7E06-46F5-A441-6E15F503D7C5}" type="datetimeFigureOut">
               <a:rPr lang="en-US" smtClean="0"/>
-              <a:t>11/4/2017</a:t>
+              <a:t>11/7/2017</a:t>
             </a:fld>
             <a:endParaRPr lang="en-US"/>
           </a:p>
@@ -6730,7 +6730,7 @@
           <a:p>
             <a:fld id="{66488140-7E06-46F5-A441-6E15F503D7C5}" type="datetimeFigureOut">
               <a:rPr lang="en-US" smtClean="0"/>
-              <a:t>11/4/2017</a:t>
+              <a:t>11/7/2017</a:t>
             </a:fld>
             <a:endParaRPr lang="en-US"/>
           </a:p>
@@ -6987,7 +6987,7 @@
           <a:p>
             <a:fld id="{66488140-7E06-46F5-A441-6E15F503D7C5}" type="datetimeFigureOut">
               <a:rPr lang="en-US" smtClean="0"/>
-              <a:t>11/4/2017</a:t>
+              <a:t>11/7/2017</a:t>
             </a:fld>
             <a:endParaRPr lang="en-US"/>
           </a:p>
@@ -7200,7 +7200,7 @@
           <a:p>
             <a:fld id="{66488140-7E06-46F5-A441-6E15F503D7C5}" type="datetimeFigureOut">
               <a:rPr lang="en-US" smtClean="0"/>
-              <a:t>11/4/2017</a:t>
+              <a:t>11/7/2017</a:t>
             </a:fld>
             <a:endParaRPr lang="en-US"/>
           </a:p>
@@ -16441,14 +16441,11 @@
               <a:rPr lang="en-US" dirty="0" smtClean="0">
                 <a:hlinkClick r:id="rId2"/>
               </a:rPr>
-              <a:t>github.com/KeNopphon/edx-course-builder</a:t>
+              <a:t>github.com/TokyoTechX/edx-coursebuilder</a:t>
             </a:r>
             <a:endParaRPr lang="en-US" dirty="0" smtClean="0"/>
           </a:p>
           <a:p>
-            <a:pPr marL="0" indent="0">
-              <a:buNone/>
-            </a:pPr>
             <a:endParaRPr lang="en-US" dirty="0" smtClean="0"/>
           </a:p>
           <a:p>
